--- a/Bản trình bày1.pptx
+++ b/Bản trình bày1.pptx
@@ -270,7 +270,7 @@
           <a:p>
             <a:fld id="{E73B8D51-B0E6-4A0E-B542-0515892D3B54}" type="datetimeFigureOut">
               <a:rPr lang="en-US" smtClean="0"/>
-              <a:t>13/05/2025</a:t>
+              <a:t>14/05/2025</a:t>
             </a:fld>
             <a:endParaRPr lang="en-US"/>
           </a:p>
@@ -470,7 +470,7 @@
           <a:p>
             <a:fld id="{E73B8D51-B0E6-4A0E-B542-0515892D3B54}" type="datetimeFigureOut">
               <a:rPr lang="en-US" smtClean="0"/>
-              <a:t>13/05/2025</a:t>
+              <a:t>14/05/2025</a:t>
             </a:fld>
             <a:endParaRPr lang="en-US"/>
           </a:p>
@@ -680,7 +680,7 @@
           <a:p>
             <a:fld id="{E73B8D51-B0E6-4A0E-B542-0515892D3B54}" type="datetimeFigureOut">
               <a:rPr lang="en-US" smtClean="0"/>
-              <a:t>13/05/2025</a:t>
+              <a:t>14/05/2025</a:t>
             </a:fld>
             <a:endParaRPr lang="en-US"/>
           </a:p>
@@ -880,7 +880,7 @@
           <a:p>
             <a:fld id="{E73B8D51-B0E6-4A0E-B542-0515892D3B54}" type="datetimeFigureOut">
               <a:rPr lang="en-US" smtClean="0"/>
-              <a:t>13/05/2025</a:t>
+              <a:t>14/05/2025</a:t>
             </a:fld>
             <a:endParaRPr lang="en-US"/>
           </a:p>
@@ -1156,7 +1156,7 @@
           <a:p>
             <a:fld id="{E73B8D51-B0E6-4A0E-B542-0515892D3B54}" type="datetimeFigureOut">
               <a:rPr lang="en-US" smtClean="0"/>
-              <a:t>13/05/2025</a:t>
+              <a:t>14/05/2025</a:t>
             </a:fld>
             <a:endParaRPr lang="en-US"/>
           </a:p>
@@ -1424,7 +1424,7 @@
           <a:p>
             <a:fld id="{E73B8D51-B0E6-4A0E-B542-0515892D3B54}" type="datetimeFigureOut">
               <a:rPr lang="en-US" smtClean="0"/>
-              <a:t>13/05/2025</a:t>
+              <a:t>14/05/2025</a:t>
             </a:fld>
             <a:endParaRPr lang="en-US"/>
           </a:p>
@@ -1839,7 +1839,7 @@
           <a:p>
             <a:fld id="{E73B8D51-B0E6-4A0E-B542-0515892D3B54}" type="datetimeFigureOut">
               <a:rPr lang="en-US" smtClean="0"/>
-              <a:t>13/05/2025</a:t>
+              <a:t>14/05/2025</a:t>
             </a:fld>
             <a:endParaRPr lang="en-US"/>
           </a:p>
@@ -1981,7 +1981,7 @@
           <a:p>
             <a:fld id="{E73B8D51-B0E6-4A0E-B542-0515892D3B54}" type="datetimeFigureOut">
               <a:rPr lang="en-US" smtClean="0"/>
-              <a:t>13/05/2025</a:t>
+              <a:t>14/05/2025</a:t>
             </a:fld>
             <a:endParaRPr lang="en-US"/>
           </a:p>
@@ -2094,7 +2094,7 @@
           <a:p>
             <a:fld id="{E73B8D51-B0E6-4A0E-B542-0515892D3B54}" type="datetimeFigureOut">
               <a:rPr lang="en-US" smtClean="0"/>
-              <a:t>13/05/2025</a:t>
+              <a:t>14/05/2025</a:t>
             </a:fld>
             <a:endParaRPr lang="en-US"/>
           </a:p>
@@ -2407,7 +2407,7 @@
           <a:p>
             <a:fld id="{E73B8D51-B0E6-4A0E-B542-0515892D3B54}" type="datetimeFigureOut">
               <a:rPr lang="en-US" smtClean="0"/>
-              <a:t>13/05/2025</a:t>
+              <a:t>14/05/2025</a:t>
             </a:fld>
             <a:endParaRPr lang="en-US"/>
           </a:p>
@@ -2696,7 +2696,7 @@
           <a:p>
             <a:fld id="{E73B8D51-B0E6-4A0E-B542-0515892D3B54}" type="datetimeFigureOut">
               <a:rPr lang="en-US" smtClean="0"/>
-              <a:t>13/05/2025</a:t>
+              <a:t>14/05/2025</a:t>
             </a:fld>
             <a:endParaRPr lang="en-US"/>
           </a:p>
@@ -2939,7 +2939,7 @@
           <a:p>
             <a:fld id="{E73B8D51-B0E6-4A0E-B542-0515892D3B54}" type="datetimeFigureOut">
               <a:rPr lang="en-US" smtClean="0"/>
-              <a:t>13/05/2025</a:t>
+              <a:t>14/05/2025</a:t>
             </a:fld>
             <a:endParaRPr lang="en-US"/>
           </a:p>
@@ -3654,42 +3654,6 @@
           <a:chExt cx="0" cy="0"/>
         </a:xfrm>
       </p:grpSpPr>
-      <p:pic>
-        <p:nvPicPr>
-          <p:cNvPr id="9" name="Hình ảnh 8" descr="Ảnh có chứa văn bản, ảnh chụp màn hình, biểu đồ, thiết kế&#10;&#10;Nội dung do AI tạo ra có thể không chính xác.">
-            <a:extLst>
-              <a:ext uri="{FF2B5EF4-FFF2-40B4-BE49-F238E27FC236}">
-                <a16:creationId xmlns:a16="http://schemas.microsoft.com/office/drawing/2014/main" id="{423BDB5C-89CC-A23D-EE29-C1E3C5B51029}"/>
-              </a:ext>
-            </a:extLst>
-          </p:cNvPr>
-          <p:cNvPicPr>
-            <a:picLocks noChangeAspect="1"/>
-          </p:cNvPicPr>
-          <p:nvPr/>
-        </p:nvPicPr>
-        <p:blipFill>
-          <a:blip r:embed="rId2">
-            <a:extLst>
-              <a:ext uri="{28A0092B-C50C-407E-A947-70E740481C1C}">
-                <a14:useLocalDpi xmlns:a14="http://schemas.microsoft.com/office/drawing/2010/main" val="0"/>
-              </a:ext>
-            </a:extLst>
-          </a:blip>
-          <a:stretch>
-            <a:fillRect/>
-          </a:stretch>
-        </p:blipFill>
-        <p:spPr>
-          <a:xfrm>
-            <a:off x="704042" y="1004146"/>
-            <a:ext cx="12192000" cy="6556587"/>
-          </a:xfrm>
-          <a:prstGeom prst="rect">
-            <a:avLst/>
-          </a:prstGeom>
-        </p:spPr>
-      </p:pic>
       <p:sp>
         <p:nvSpPr>
           <p:cNvPr id="2" name="Hộp Văn bản 1">
@@ -3735,6 +3699,42 @@
           </a:p>
         </p:txBody>
       </p:sp>
+      <p:pic>
+        <p:nvPicPr>
+          <p:cNvPr id="4" name="Hình ảnh 3" descr="Ảnh có chứa văn bản, ảnh chụp màn hình, biểu đồ, thiết kế&#10;&#10;Nội dung do AI tạo ra có thể không chính xác.">
+            <a:extLst>
+              <a:ext uri="{FF2B5EF4-FFF2-40B4-BE49-F238E27FC236}">
+                <a16:creationId xmlns:a16="http://schemas.microsoft.com/office/drawing/2014/main" id="{6BEB416F-A0E8-AADF-CC5E-17371A61F30D}"/>
+              </a:ext>
+            </a:extLst>
+          </p:cNvPr>
+          <p:cNvPicPr>
+            <a:picLocks noChangeAspect="1"/>
+          </p:cNvPicPr>
+          <p:nvPr/>
+        </p:nvPicPr>
+        <p:blipFill>
+          <a:blip r:embed="rId2">
+            <a:extLst>
+              <a:ext uri="{28A0092B-C50C-407E-A947-70E740481C1C}">
+                <a14:useLocalDpi xmlns:a14="http://schemas.microsoft.com/office/drawing/2010/main" val="0"/>
+              </a:ext>
+            </a:extLst>
+          </a:blip>
+          <a:stretch>
+            <a:fillRect/>
+          </a:stretch>
+        </p:blipFill>
+        <p:spPr>
+          <a:xfrm>
+            <a:off x="1254148" y="736580"/>
+            <a:ext cx="12326464" cy="6824556"/>
+          </a:xfrm>
+          <a:prstGeom prst="rect">
+            <a:avLst/>
+          </a:prstGeom>
+        </p:spPr>
+      </p:pic>
     </p:spTree>
     <p:extLst>
       <p:ext uri="{BB962C8B-B14F-4D97-AF65-F5344CB8AC3E}">
@@ -4084,7 +4084,7 @@
                 <a:latin typeface="Times New Roman" panose="02020603050405020304" pitchFamily="18" charset="0"/>
                 <a:cs typeface="Times New Roman" panose="02020603050405020304" pitchFamily="18" charset="0"/>
               </a:rPr>
-              <a:t>Sequence Diagram UC1: </a:t>
+              <a:t>UC1: </a:t>
             </a:r>
             <a:r>
               <a:rPr lang="en-US" sz="2000" b="1" dirty="0" err="1">
@@ -4116,10 +4116,10 @@
       </p:sp>
       <p:pic>
         <p:nvPicPr>
-          <p:cNvPr id="8" name="Hình ảnh 7">
-            <a:extLst>
-              <a:ext uri="{FF2B5EF4-FFF2-40B4-BE49-F238E27FC236}">
-                <a16:creationId xmlns:a16="http://schemas.microsoft.com/office/drawing/2014/main" id="{9411B8C6-B195-3DBA-5F84-A35D0614073E}"/>
+          <p:cNvPr id="5" name="Hình ảnh 4">
+            <a:extLst>
+              <a:ext uri="{FF2B5EF4-FFF2-40B4-BE49-F238E27FC236}">
+                <a16:creationId xmlns:a16="http://schemas.microsoft.com/office/drawing/2014/main" id="{377B275D-EBA4-04A0-1021-9C82AB5F5C96}"/>
               </a:ext>
             </a:extLst>
           </p:cNvPr>
@@ -4136,8 +4136,8 @@
         </p:blipFill>
         <p:spPr>
           <a:xfrm>
-            <a:off x="920790" y="810469"/>
-            <a:ext cx="10656374" cy="4914921"/>
+            <a:off x="726436" y="821523"/>
+            <a:ext cx="11182797" cy="5163641"/>
           </a:xfrm>
           <a:prstGeom prst="rect">
             <a:avLst/>
@@ -4330,7 +4330,7 @@
         <p:spPr>
           <a:xfrm>
             <a:off x="985520" y="101260"/>
-            <a:ext cx="3911600" cy="400110"/>
+            <a:ext cx="4785360" cy="400110"/>
           </a:xfrm>
           <a:prstGeom prst="rect">
             <a:avLst/>
@@ -4348,7 +4348,7 @@
                 <a:latin typeface="Times New Roman" panose="02020603050405020304" pitchFamily="18" charset="0"/>
                 <a:cs typeface="Times New Roman" panose="02020603050405020304" pitchFamily="18" charset="0"/>
               </a:rPr>
-              <a:t>Sequence Diagram UC2: </a:t>
+              <a:t>UC2: </a:t>
             </a:r>
             <a:r>
               <a:rPr lang="en-US" sz="2000" b="1" dirty="0" err="1">
@@ -4380,10 +4380,10 @@
       </p:sp>
       <p:pic>
         <p:nvPicPr>
-          <p:cNvPr id="7" name="Hình ảnh 6">
-            <a:extLst>
-              <a:ext uri="{FF2B5EF4-FFF2-40B4-BE49-F238E27FC236}">
-                <a16:creationId xmlns:a16="http://schemas.microsoft.com/office/drawing/2014/main" id="{4E24BA57-FC9A-A2D0-D400-74A191C74F71}"/>
+          <p:cNvPr id="6" name="Hình ảnh 5">
+            <a:extLst>
+              <a:ext uri="{FF2B5EF4-FFF2-40B4-BE49-F238E27FC236}">
+                <a16:creationId xmlns:a16="http://schemas.microsoft.com/office/drawing/2014/main" id="{1DF52DA6-E7C2-55FC-ADD9-1CEFF7F3E97C}"/>
               </a:ext>
             </a:extLst>
           </p:cNvPr>
@@ -4400,8 +4400,8 @@
         </p:blipFill>
         <p:spPr>
           <a:xfrm>
-            <a:off x="885777" y="1003812"/>
-            <a:ext cx="10813297" cy="4711188"/>
+            <a:off x="486158" y="709848"/>
+            <a:ext cx="11301949" cy="4620687"/>
           </a:xfrm>
           <a:prstGeom prst="rect">
             <a:avLst/>
@@ -4612,7 +4612,7 @@
                 <a:latin typeface="Times New Roman" panose="02020603050405020304" pitchFamily="18" charset="0"/>
                 <a:cs typeface="Times New Roman" panose="02020603050405020304" pitchFamily="18" charset="0"/>
               </a:rPr>
-              <a:t>Sequence Diagram UC3: </a:t>
+              <a:t>UC3: </a:t>
             </a:r>
             <a:r>
               <a:rPr lang="en-US" sz="2000" b="1" dirty="0" err="1">
@@ -4644,10 +4644,10 @@
       </p:sp>
       <p:pic>
         <p:nvPicPr>
-          <p:cNvPr id="7" name="Hình ảnh 6">
-            <a:extLst>
-              <a:ext uri="{FF2B5EF4-FFF2-40B4-BE49-F238E27FC236}">
-                <a16:creationId xmlns:a16="http://schemas.microsoft.com/office/drawing/2014/main" id="{A81047F7-FF39-2FC9-6E8D-CBB641370582}"/>
+          <p:cNvPr id="3" name="Hình ảnh 2">
+            <a:extLst>
+              <a:ext uri="{FF2B5EF4-FFF2-40B4-BE49-F238E27FC236}">
+                <a16:creationId xmlns:a16="http://schemas.microsoft.com/office/drawing/2014/main" id="{EAC2525D-1A7C-5B81-60E3-71C53007E0F3}"/>
               </a:ext>
             </a:extLst>
           </p:cNvPr>
@@ -4664,8 +4664,8 @@
         </p:blipFill>
         <p:spPr>
           <a:xfrm>
-            <a:off x="955040" y="1147147"/>
-            <a:ext cx="10642075" cy="4027525"/>
+            <a:off x="632496" y="780680"/>
+            <a:ext cx="11285005" cy="4321256"/>
           </a:xfrm>
           <a:prstGeom prst="rect">
             <a:avLst/>
